--- a/ppt 16-9/1040.人生.pptx
+++ b/ppt 16-9/1040.人生.pptx
@@ -129,7 +129,7 @@
           <p:cNvPr id="2" name="标题 1">
             <a:extLst>
               <a:ext uri="{FF2B5EF4-FFF2-40B4-BE49-F238E27FC236}">
-                <a16:creationId xmlns:a16="http://schemas.microsoft.com/office/drawing/2014/main" id="{4BA7E8DE-4B6D-65AB-5BFF-C0DA0A84E767}"/>
+                <a16:creationId xmlns:a16="http://schemas.microsoft.com/office/drawing/2014/main" id="{FB31444F-91A8-27D7-62B6-0F34E7AFFBE5}"/>
               </a:ext>
             </a:extLst>
           </p:cNvPr>
@@ -166,7 +166,7 @@
           <p:cNvPr id="3" name="副标题 2">
             <a:extLst>
               <a:ext uri="{FF2B5EF4-FFF2-40B4-BE49-F238E27FC236}">
-                <a16:creationId xmlns:a16="http://schemas.microsoft.com/office/drawing/2014/main" id="{6995764F-1F4C-3CCD-BC0E-C7CF93273B59}"/>
+                <a16:creationId xmlns:a16="http://schemas.microsoft.com/office/drawing/2014/main" id="{9FBC91B3-7BA7-B459-5024-88F416FFDE89}"/>
               </a:ext>
             </a:extLst>
           </p:cNvPr>
@@ -236,7 +236,7 @@
           <p:cNvPr id="4" name="日期占位符 3">
             <a:extLst>
               <a:ext uri="{FF2B5EF4-FFF2-40B4-BE49-F238E27FC236}">
-                <a16:creationId xmlns:a16="http://schemas.microsoft.com/office/drawing/2014/main" id="{12033E66-BF0B-43F8-4D20-A227B318BAC6}"/>
+                <a16:creationId xmlns:a16="http://schemas.microsoft.com/office/drawing/2014/main" id="{6F673D6A-DE24-D339-CCD6-2991C6D97CEB}"/>
               </a:ext>
             </a:extLst>
           </p:cNvPr>
@@ -252,7 +252,7 @@
           <a:bodyPr/>
           <a:lstStyle/>
           <a:p>
-            <a:fld id="{08751E5F-FF28-48BD-AD89-1BD7A3D9E3DC}" type="datetimeFigureOut">
+            <a:fld id="{800D70CB-9D8D-4D72-9DBD-932137452584}" type="datetimeFigureOut">
               <a:rPr lang="zh-CN" altLang="en-US" smtClean="0"/>
               <a:t>2024/3/10</a:t>
             </a:fld>
@@ -265,7 +265,7 @@
           <p:cNvPr id="5" name="页脚占位符 4">
             <a:extLst>
               <a:ext uri="{FF2B5EF4-FFF2-40B4-BE49-F238E27FC236}">
-                <a16:creationId xmlns:a16="http://schemas.microsoft.com/office/drawing/2014/main" id="{1070E174-08D8-255A-8F40-504871ADCF36}"/>
+                <a16:creationId xmlns:a16="http://schemas.microsoft.com/office/drawing/2014/main" id="{93324E4D-6D27-B02A-5901-EAAED5813699}"/>
               </a:ext>
             </a:extLst>
           </p:cNvPr>
@@ -290,7 +290,7 @@
           <p:cNvPr id="6" name="灯片编号占位符 5">
             <a:extLst>
               <a:ext uri="{FF2B5EF4-FFF2-40B4-BE49-F238E27FC236}">
-                <a16:creationId xmlns:a16="http://schemas.microsoft.com/office/drawing/2014/main" id="{D1CA72B0-D4D3-32D0-F5A3-6494ED696AFC}"/>
+                <a16:creationId xmlns:a16="http://schemas.microsoft.com/office/drawing/2014/main" id="{63C2D5DF-3433-A37B-C9AA-EB57BF185C9D}"/>
               </a:ext>
             </a:extLst>
           </p:cNvPr>
@@ -306,7 +306,7 @@
           <a:bodyPr/>
           <a:lstStyle/>
           <a:p>
-            <a:fld id="{ABA33280-A965-4BF4-8750-94FDE6DD2650}" type="slidenum">
+            <a:fld id="{F90DF79C-A340-4E69-94AC-FF716EE1B2A4}" type="slidenum">
               <a:rPr lang="zh-CN" altLang="en-US" smtClean="0"/>
               <a:t>‹#›</a:t>
             </a:fld>
@@ -317,7 +317,7 @@
     </p:spTree>
     <p:extLst>
       <p:ext uri="{BB962C8B-B14F-4D97-AF65-F5344CB8AC3E}">
-        <p14:creationId xmlns:p14="http://schemas.microsoft.com/office/powerpoint/2010/main" val="483479568"/>
+        <p14:creationId xmlns:p14="http://schemas.microsoft.com/office/powerpoint/2010/main" val="80526520"/>
       </p:ext>
     </p:extLst>
   </p:cSld>
@@ -349,7 +349,7 @@
           <p:cNvPr id="2" name="标题 1">
             <a:extLst>
               <a:ext uri="{FF2B5EF4-FFF2-40B4-BE49-F238E27FC236}">
-                <a16:creationId xmlns:a16="http://schemas.microsoft.com/office/drawing/2014/main" id="{D8A36785-6859-375B-F58B-18AEF79572F4}"/>
+                <a16:creationId xmlns:a16="http://schemas.microsoft.com/office/drawing/2014/main" id="{FF726C27-5788-BD50-349C-723E6BB06DB0}"/>
               </a:ext>
             </a:extLst>
           </p:cNvPr>
@@ -377,7 +377,7 @@
           <p:cNvPr id="3" name="竖排文字占位符 2">
             <a:extLst>
               <a:ext uri="{FF2B5EF4-FFF2-40B4-BE49-F238E27FC236}">
-                <a16:creationId xmlns:a16="http://schemas.microsoft.com/office/drawing/2014/main" id="{7D89303C-F6CE-208E-226E-75F25E8242AF}"/>
+                <a16:creationId xmlns:a16="http://schemas.microsoft.com/office/drawing/2014/main" id="{AC4B1DE9-7C1B-B96C-F479-7C309BA3318A}"/>
               </a:ext>
             </a:extLst>
           </p:cNvPr>
@@ -434,7 +434,7 @@
           <p:cNvPr id="4" name="日期占位符 3">
             <a:extLst>
               <a:ext uri="{FF2B5EF4-FFF2-40B4-BE49-F238E27FC236}">
-                <a16:creationId xmlns:a16="http://schemas.microsoft.com/office/drawing/2014/main" id="{F2181247-CC52-81A0-61C9-8EB4B8C0FD49}"/>
+                <a16:creationId xmlns:a16="http://schemas.microsoft.com/office/drawing/2014/main" id="{3D7D645B-AD6C-6E1B-B94C-12B6E086EAC1}"/>
               </a:ext>
             </a:extLst>
           </p:cNvPr>
@@ -450,7 +450,7 @@
           <a:bodyPr/>
           <a:lstStyle/>
           <a:p>
-            <a:fld id="{08751E5F-FF28-48BD-AD89-1BD7A3D9E3DC}" type="datetimeFigureOut">
+            <a:fld id="{800D70CB-9D8D-4D72-9DBD-932137452584}" type="datetimeFigureOut">
               <a:rPr lang="zh-CN" altLang="en-US" smtClean="0"/>
               <a:t>2024/3/10</a:t>
             </a:fld>
@@ -463,7 +463,7 @@
           <p:cNvPr id="5" name="页脚占位符 4">
             <a:extLst>
               <a:ext uri="{FF2B5EF4-FFF2-40B4-BE49-F238E27FC236}">
-                <a16:creationId xmlns:a16="http://schemas.microsoft.com/office/drawing/2014/main" id="{28B9AAD5-B0C5-8E68-F922-64A64B9664F1}"/>
+                <a16:creationId xmlns:a16="http://schemas.microsoft.com/office/drawing/2014/main" id="{A714D6C2-DA1A-B0A1-4DB3-011E033748F4}"/>
               </a:ext>
             </a:extLst>
           </p:cNvPr>
@@ -488,7 +488,7 @@
           <p:cNvPr id="6" name="灯片编号占位符 5">
             <a:extLst>
               <a:ext uri="{FF2B5EF4-FFF2-40B4-BE49-F238E27FC236}">
-                <a16:creationId xmlns:a16="http://schemas.microsoft.com/office/drawing/2014/main" id="{01317780-9B2C-5D63-9E1B-CF344AC15091}"/>
+                <a16:creationId xmlns:a16="http://schemas.microsoft.com/office/drawing/2014/main" id="{8EBC02EB-14C8-2D26-F5B3-6E5F1D44307D}"/>
               </a:ext>
             </a:extLst>
           </p:cNvPr>
@@ -504,7 +504,7 @@
           <a:bodyPr/>
           <a:lstStyle/>
           <a:p>
-            <a:fld id="{ABA33280-A965-4BF4-8750-94FDE6DD2650}" type="slidenum">
+            <a:fld id="{F90DF79C-A340-4E69-94AC-FF716EE1B2A4}" type="slidenum">
               <a:rPr lang="zh-CN" altLang="en-US" smtClean="0"/>
               <a:t>‹#›</a:t>
             </a:fld>
@@ -515,7 +515,7 @@
     </p:spTree>
     <p:extLst>
       <p:ext uri="{BB962C8B-B14F-4D97-AF65-F5344CB8AC3E}">
-        <p14:creationId xmlns:p14="http://schemas.microsoft.com/office/powerpoint/2010/main" val="2741944149"/>
+        <p14:creationId xmlns:p14="http://schemas.microsoft.com/office/powerpoint/2010/main" val="3118328253"/>
       </p:ext>
     </p:extLst>
   </p:cSld>
@@ -547,7 +547,7 @@
           <p:cNvPr id="2" name="竖排标题 1">
             <a:extLst>
               <a:ext uri="{FF2B5EF4-FFF2-40B4-BE49-F238E27FC236}">
-                <a16:creationId xmlns:a16="http://schemas.microsoft.com/office/drawing/2014/main" id="{66C8B457-2C70-739D-6427-6F6E0456411F}"/>
+                <a16:creationId xmlns:a16="http://schemas.microsoft.com/office/drawing/2014/main" id="{E49ADDDB-ACF4-54D8-989B-49D0BA8E3FE4}"/>
               </a:ext>
             </a:extLst>
           </p:cNvPr>
@@ -580,7 +580,7 @@
           <p:cNvPr id="3" name="竖排文字占位符 2">
             <a:extLst>
               <a:ext uri="{FF2B5EF4-FFF2-40B4-BE49-F238E27FC236}">
-                <a16:creationId xmlns:a16="http://schemas.microsoft.com/office/drawing/2014/main" id="{63E4FE3A-99DE-5051-2C5D-93E3A99CC14A}"/>
+                <a16:creationId xmlns:a16="http://schemas.microsoft.com/office/drawing/2014/main" id="{C7A40E17-CEF3-A1A6-F2AF-1ABBB17CBCB0}"/>
               </a:ext>
             </a:extLst>
           </p:cNvPr>
@@ -642,7 +642,7 @@
           <p:cNvPr id="4" name="日期占位符 3">
             <a:extLst>
               <a:ext uri="{FF2B5EF4-FFF2-40B4-BE49-F238E27FC236}">
-                <a16:creationId xmlns:a16="http://schemas.microsoft.com/office/drawing/2014/main" id="{71FB620E-FEDE-157E-2B94-F09CF31762EF}"/>
+                <a16:creationId xmlns:a16="http://schemas.microsoft.com/office/drawing/2014/main" id="{B9767DB4-801D-E58F-4F31-AFF00851C9AE}"/>
               </a:ext>
             </a:extLst>
           </p:cNvPr>
@@ -658,7 +658,7 @@
           <a:bodyPr/>
           <a:lstStyle/>
           <a:p>
-            <a:fld id="{08751E5F-FF28-48BD-AD89-1BD7A3D9E3DC}" type="datetimeFigureOut">
+            <a:fld id="{800D70CB-9D8D-4D72-9DBD-932137452584}" type="datetimeFigureOut">
               <a:rPr lang="zh-CN" altLang="en-US" smtClean="0"/>
               <a:t>2024/3/10</a:t>
             </a:fld>
@@ -671,7 +671,7 @@
           <p:cNvPr id="5" name="页脚占位符 4">
             <a:extLst>
               <a:ext uri="{FF2B5EF4-FFF2-40B4-BE49-F238E27FC236}">
-                <a16:creationId xmlns:a16="http://schemas.microsoft.com/office/drawing/2014/main" id="{F3970D2A-B637-A40F-51D3-2B00CD080251}"/>
+                <a16:creationId xmlns:a16="http://schemas.microsoft.com/office/drawing/2014/main" id="{11D1FCAF-6250-708E-497E-2274FF8B92F7}"/>
               </a:ext>
             </a:extLst>
           </p:cNvPr>
@@ -696,7 +696,7 @@
           <p:cNvPr id="6" name="灯片编号占位符 5">
             <a:extLst>
               <a:ext uri="{FF2B5EF4-FFF2-40B4-BE49-F238E27FC236}">
-                <a16:creationId xmlns:a16="http://schemas.microsoft.com/office/drawing/2014/main" id="{CAD515C0-D8E4-D0B9-1736-196A842E051F}"/>
+                <a16:creationId xmlns:a16="http://schemas.microsoft.com/office/drawing/2014/main" id="{51B16AEE-B08F-04B6-BD49-EE96D15AFA0B}"/>
               </a:ext>
             </a:extLst>
           </p:cNvPr>
@@ -712,7 +712,7 @@
           <a:bodyPr/>
           <a:lstStyle/>
           <a:p>
-            <a:fld id="{ABA33280-A965-4BF4-8750-94FDE6DD2650}" type="slidenum">
+            <a:fld id="{F90DF79C-A340-4E69-94AC-FF716EE1B2A4}" type="slidenum">
               <a:rPr lang="zh-CN" altLang="en-US" smtClean="0"/>
               <a:t>‹#›</a:t>
             </a:fld>
@@ -723,7 +723,7 @@
     </p:spTree>
     <p:extLst>
       <p:ext uri="{BB962C8B-B14F-4D97-AF65-F5344CB8AC3E}">
-        <p14:creationId xmlns:p14="http://schemas.microsoft.com/office/powerpoint/2010/main" val="302232411"/>
+        <p14:creationId xmlns:p14="http://schemas.microsoft.com/office/powerpoint/2010/main" val="1104063369"/>
       </p:ext>
     </p:extLst>
   </p:cSld>
@@ -755,7 +755,7 @@
           <p:cNvPr id="2" name="标题 1">
             <a:extLst>
               <a:ext uri="{FF2B5EF4-FFF2-40B4-BE49-F238E27FC236}">
-                <a16:creationId xmlns:a16="http://schemas.microsoft.com/office/drawing/2014/main" id="{BC6FFCB0-FBB1-6FFD-E5AC-663A6D34F11C}"/>
+                <a16:creationId xmlns:a16="http://schemas.microsoft.com/office/drawing/2014/main" id="{7C017A2C-C4F9-6662-786A-2D70C030811E}"/>
               </a:ext>
             </a:extLst>
           </p:cNvPr>
@@ -783,7 +783,7 @@
           <p:cNvPr id="3" name="内容占位符 2">
             <a:extLst>
               <a:ext uri="{FF2B5EF4-FFF2-40B4-BE49-F238E27FC236}">
-                <a16:creationId xmlns:a16="http://schemas.microsoft.com/office/drawing/2014/main" id="{E6F6C3F7-20A0-62A8-CFBC-BEB9F887633C}"/>
+                <a16:creationId xmlns:a16="http://schemas.microsoft.com/office/drawing/2014/main" id="{287F6573-F97A-A0C3-CB01-40AB47A739B2}"/>
               </a:ext>
             </a:extLst>
           </p:cNvPr>
@@ -840,7 +840,7 @@
           <p:cNvPr id="4" name="日期占位符 3">
             <a:extLst>
               <a:ext uri="{FF2B5EF4-FFF2-40B4-BE49-F238E27FC236}">
-                <a16:creationId xmlns:a16="http://schemas.microsoft.com/office/drawing/2014/main" id="{D218362A-15F2-DA2A-3509-5B59D4688680}"/>
+                <a16:creationId xmlns:a16="http://schemas.microsoft.com/office/drawing/2014/main" id="{274CBF26-BABD-F794-8879-7581E38871FD}"/>
               </a:ext>
             </a:extLst>
           </p:cNvPr>
@@ -856,7 +856,7 @@
           <a:bodyPr/>
           <a:lstStyle/>
           <a:p>
-            <a:fld id="{08751E5F-FF28-48BD-AD89-1BD7A3D9E3DC}" type="datetimeFigureOut">
+            <a:fld id="{800D70CB-9D8D-4D72-9DBD-932137452584}" type="datetimeFigureOut">
               <a:rPr lang="zh-CN" altLang="en-US" smtClean="0"/>
               <a:t>2024/3/10</a:t>
             </a:fld>
@@ -869,7 +869,7 @@
           <p:cNvPr id="5" name="页脚占位符 4">
             <a:extLst>
               <a:ext uri="{FF2B5EF4-FFF2-40B4-BE49-F238E27FC236}">
-                <a16:creationId xmlns:a16="http://schemas.microsoft.com/office/drawing/2014/main" id="{5AE69257-AB84-5773-275E-DBA3A7354F92}"/>
+                <a16:creationId xmlns:a16="http://schemas.microsoft.com/office/drawing/2014/main" id="{269DBD00-D0F8-B2F3-CE7C-E132FDA006EC}"/>
               </a:ext>
             </a:extLst>
           </p:cNvPr>
@@ -894,7 +894,7 @@
           <p:cNvPr id="6" name="灯片编号占位符 5">
             <a:extLst>
               <a:ext uri="{FF2B5EF4-FFF2-40B4-BE49-F238E27FC236}">
-                <a16:creationId xmlns:a16="http://schemas.microsoft.com/office/drawing/2014/main" id="{34815037-8101-1838-DF80-B8CC014B234E}"/>
+                <a16:creationId xmlns:a16="http://schemas.microsoft.com/office/drawing/2014/main" id="{2372498C-CB7B-9AD2-9835-C7C979CD16EB}"/>
               </a:ext>
             </a:extLst>
           </p:cNvPr>
@@ -910,7 +910,7 @@
           <a:bodyPr/>
           <a:lstStyle/>
           <a:p>
-            <a:fld id="{ABA33280-A965-4BF4-8750-94FDE6DD2650}" type="slidenum">
+            <a:fld id="{F90DF79C-A340-4E69-94AC-FF716EE1B2A4}" type="slidenum">
               <a:rPr lang="zh-CN" altLang="en-US" smtClean="0"/>
               <a:t>‹#›</a:t>
             </a:fld>
@@ -921,7 +921,7 @@
     </p:spTree>
     <p:extLst>
       <p:ext uri="{BB962C8B-B14F-4D97-AF65-F5344CB8AC3E}">
-        <p14:creationId xmlns:p14="http://schemas.microsoft.com/office/powerpoint/2010/main" val="4209154625"/>
+        <p14:creationId xmlns:p14="http://schemas.microsoft.com/office/powerpoint/2010/main" val="3633777016"/>
       </p:ext>
     </p:extLst>
   </p:cSld>
@@ -953,7 +953,7 @@
           <p:cNvPr id="2" name="标题 1">
             <a:extLst>
               <a:ext uri="{FF2B5EF4-FFF2-40B4-BE49-F238E27FC236}">
-                <a16:creationId xmlns:a16="http://schemas.microsoft.com/office/drawing/2014/main" id="{5D7C2522-A1CA-CDC2-97A1-410EF3283B38}"/>
+                <a16:creationId xmlns:a16="http://schemas.microsoft.com/office/drawing/2014/main" id="{916FEC5D-8F3F-06FA-3C9E-E39BB7009967}"/>
               </a:ext>
             </a:extLst>
           </p:cNvPr>
@@ -990,7 +990,7 @@
           <p:cNvPr id="3" name="文本占位符 2">
             <a:extLst>
               <a:ext uri="{FF2B5EF4-FFF2-40B4-BE49-F238E27FC236}">
-                <a16:creationId xmlns:a16="http://schemas.microsoft.com/office/drawing/2014/main" id="{5636993E-4405-9358-0F9B-6B0FF22068B6}"/>
+                <a16:creationId xmlns:a16="http://schemas.microsoft.com/office/drawing/2014/main" id="{6128971B-A14C-45D8-A277-B4E525E3C5DF}"/>
               </a:ext>
             </a:extLst>
           </p:cNvPr>
@@ -1115,7 +1115,7 @@
           <p:cNvPr id="4" name="日期占位符 3">
             <a:extLst>
               <a:ext uri="{FF2B5EF4-FFF2-40B4-BE49-F238E27FC236}">
-                <a16:creationId xmlns:a16="http://schemas.microsoft.com/office/drawing/2014/main" id="{FD6066F6-5AAB-1EA9-12F4-A8A578D2A487}"/>
+                <a16:creationId xmlns:a16="http://schemas.microsoft.com/office/drawing/2014/main" id="{4A60FE84-6BC1-B3F6-98B3-59DB1151D8AF}"/>
               </a:ext>
             </a:extLst>
           </p:cNvPr>
@@ -1131,7 +1131,7 @@
           <a:bodyPr/>
           <a:lstStyle/>
           <a:p>
-            <a:fld id="{08751E5F-FF28-48BD-AD89-1BD7A3D9E3DC}" type="datetimeFigureOut">
+            <a:fld id="{800D70CB-9D8D-4D72-9DBD-932137452584}" type="datetimeFigureOut">
               <a:rPr lang="zh-CN" altLang="en-US" smtClean="0"/>
               <a:t>2024/3/10</a:t>
             </a:fld>
@@ -1144,7 +1144,7 @@
           <p:cNvPr id="5" name="页脚占位符 4">
             <a:extLst>
               <a:ext uri="{FF2B5EF4-FFF2-40B4-BE49-F238E27FC236}">
-                <a16:creationId xmlns:a16="http://schemas.microsoft.com/office/drawing/2014/main" id="{5DD98370-AF2C-72E3-3F18-00EED9A7F776}"/>
+                <a16:creationId xmlns:a16="http://schemas.microsoft.com/office/drawing/2014/main" id="{E9263EB6-DC9E-0269-11C5-61F8577C1C4D}"/>
               </a:ext>
             </a:extLst>
           </p:cNvPr>
@@ -1169,7 +1169,7 @@
           <p:cNvPr id="6" name="灯片编号占位符 5">
             <a:extLst>
               <a:ext uri="{FF2B5EF4-FFF2-40B4-BE49-F238E27FC236}">
-                <a16:creationId xmlns:a16="http://schemas.microsoft.com/office/drawing/2014/main" id="{3279B6F8-20F9-3A01-1CA9-AD2D93C6FC5B}"/>
+                <a16:creationId xmlns:a16="http://schemas.microsoft.com/office/drawing/2014/main" id="{22E37F52-2B2D-EB29-2319-1841A74B6003}"/>
               </a:ext>
             </a:extLst>
           </p:cNvPr>
@@ -1185,7 +1185,7 @@
           <a:bodyPr/>
           <a:lstStyle/>
           <a:p>
-            <a:fld id="{ABA33280-A965-4BF4-8750-94FDE6DD2650}" type="slidenum">
+            <a:fld id="{F90DF79C-A340-4E69-94AC-FF716EE1B2A4}" type="slidenum">
               <a:rPr lang="zh-CN" altLang="en-US" smtClean="0"/>
               <a:t>‹#›</a:t>
             </a:fld>
@@ -1196,7 +1196,7 @@
     </p:spTree>
     <p:extLst>
       <p:ext uri="{BB962C8B-B14F-4D97-AF65-F5344CB8AC3E}">
-        <p14:creationId xmlns:p14="http://schemas.microsoft.com/office/powerpoint/2010/main" val="1175275159"/>
+        <p14:creationId xmlns:p14="http://schemas.microsoft.com/office/powerpoint/2010/main" val="643932920"/>
       </p:ext>
     </p:extLst>
   </p:cSld>
@@ -1228,7 +1228,7 @@
           <p:cNvPr id="2" name="标题 1">
             <a:extLst>
               <a:ext uri="{FF2B5EF4-FFF2-40B4-BE49-F238E27FC236}">
-                <a16:creationId xmlns:a16="http://schemas.microsoft.com/office/drawing/2014/main" id="{07F9FD75-0642-E92C-02AC-285005CFFE03}"/>
+                <a16:creationId xmlns:a16="http://schemas.microsoft.com/office/drawing/2014/main" id="{C79F2DF5-9232-FD22-FFE6-0297F5FFDD28}"/>
               </a:ext>
             </a:extLst>
           </p:cNvPr>
@@ -1256,7 +1256,7 @@
           <p:cNvPr id="3" name="内容占位符 2">
             <a:extLst>
               <a:ext uri="{FF2B5EF4-FFF2-40B4-BE49-F238E27FC236}">
-                <a16:creationId xmlns:a16="http://schemas.microsoft.com/office/drawing/2014/main" id="{3E024C1F-F07D-AD62-288A-BF614F1D1B68}"/>
+                <a16:creationId xmlns:a16="http://schemas.microsoft.com/office/drawing/2014/main" id="{8640ECFC-B4F5-952F-8B4B-5FFE96AE30AE}"/>
               </a:ext>
             </a:extLst>
           </p:cNvPr>
@@ -1318,7 +1318,7 @@
           <p:cNvPr id="4" name="内容占位符 3">
             <a:extLst>
               <a:ext uri="{FF2B5EF4-FFF2-40B4-BE49-F238E27FC236}">
-                <a16:creationId xmlns:a16="http://schemas.microsoft.com/office/drawing/2014/main" id="{9DC181B9-E763-C63B-90FD-150F14EC363D}"/>
+                <a16:creationId xmlns:a16="http://schemas.microsoft.com/office/drawing/2014/main" id="{A8B49370-88E8-5CDD-30F2-D4CF920A3BC7}"/>
               </a:ext>
             </a:extLst>
           </p:cNvPr>
@@ -1380,7 +1380,7 @@
           <p:cNvPr id="5" name="日期占位符 4">
             <a:extLst>
               <a:ext uri="{FF2B5EF4-FFF2-40B4-BE49-F238E27FC236}">
-                <a16:creationId xmlns:a16="http://schemas.microsoft.com/office/drawing/2014/main" id="{AD1DA50C-606B-F680-6458-E9471B495A08}"/>
+                <a16:creationId xmlns:a16="http://schemas.microsoft.com/office/drawing/2014/main" id="{93B64C9F-BE60-1C6F-854A-97D7F8C75555}"/>
               </a:ext>
             </a:extLst>
           </p:cNvPr>
@@ -1396,7 +1396,7 @@
           <a:bodyPr/>
           <a:lstStyle/>
           <a:p>
-            <a:fld id="{08751E5F-FF28-48BD-AD89-1BD7A3D9E3DC}" type="datetimeFigureOut">
+            <a:fld id="{800D70CB-9D8D-4D72-9DBD-932137452584}" type="datetimeFigureOut">
               <a:rPr lang="zh-CN" altLang="en-US" smtClean="0"/>
               <a:t>2024/3/10</a:t>
             </a:fld>
@@ -1409,7 +1409,7 @@
           <p:cNvPr id="6" name="页脚占位符 5">
             <a:extLst>
               <a:ext uri="{FF2B5EF4-FFF2-40B4-BE49-F238E27FC236}">
-                <a16:creationId xmlns:a16="http://schemas.microsoft.com/office/drawing/2014/main" id="{7EC1522E-ACC4-58A9-FE38-C693C7F6DF62}"/>
+                <a16:creationId xmlns:a16="http://schemas.microsoft.com/office/drawing/2014/main" id="{9377C8FE-1F30-1559-D601-162D9B34D060}"/>
               </a:ext>
             </a:extLst>
           </p:cNvPr>
@@ -1434,7 +1434,7 @@
           <p:cNvPr id="7" name="灯片编号占位符 6">
             <a:extLst>
               <a:ext uri="{FF2B5EF4-FFF2-40B4-BE49-F238E27FC236}">
-                <a16:creationId xmlns:a16="http://schemas.microsoft.com/office/drawing/2014/main" id="{F51A9793-8CC0-A7BA-C44D-A41BCFE55D8B}"/>
+                <a16:creationId xmlns:a16="http://schemas.microsoft.com/office/drawing/2014/main" id="{B7C5861C-E0D7-30B2-161C-30A95FA7665E}"/>
               </a:ext>
             </a:extLst>
           </p:cNvPr>
@@ -1450,7 +1450,7 @@
           <a:bodyPr/>
           <a:lstStyle/>
           <a:p>
-            <a:fld id="{ABA33280-A965-4BF4-8750-94FDE6DD2650}" type="slidenum">
+            <a:fld id="{F90DF79C-A340-4E69-94AC-FF716EE1B2A4}" type="slidenum">
               <a:rPr lang="zh-CN" altLang="en-US" smtClean="0"/>
               <a:t>‹#›</a:t>
             </a:fld>
@@ -1461,7 +1461,7 @@
     </p:spTree>
     <p:extLst>
       <p:ext uri="{BB962C8B-B14F-4D97-AF65-F5344CB8AC3E}">
-        <p14:creationId xmlns:p14="http://schemas.microsoft.com/office/powerpoint/2010/main" val="2324056900"/>
+        <p14:creationId xmlns:p14="http://schemas.microsoft.com/office/powerpoint/2010/main" val="3920444638"/>
       </p:ext>
     </p:extLst>
   </p:cSld>
@@ -1493,7 +1493,7 @@
           <p:cNvPr id="2" name="标题 1">
             <a:extLst>
               <a:ext uri="{FF2B5EF4-FFF2-40B4-BE49-F238E27FC236}">
-                <a16:creationId xmlns:a16="http://schemas.microsoft.com/office/drawing/2014/main" id="{416C1EAD-985C-398D-9E8C-5152E4587B3E}"/>
+                <a16:creationId xmlns:a16="http://schemas.microsoft.com/office/drawing/2014/main" id="{34BC2346-C7A3-0EF7-6096-55BA82E3BE1C}"/>
               </a:ext>
             </a:extLst>
           </p:cNvPr>
@@ -1526,7 +1526,7 @@
           <p:cNvPr id="3" name="文本占位符 2">
             <a:extLst>
               <a:ext uri="{FF2B5EF4-FFF2-40B4-BE49-F238E27FC236}">
-                <a16:creationId xmlns:a16="http://schemas.microsoft.com/office/drawing/2014/main" id="{8357D0AE-FDC0-EC8B-2AEC-DC2B480893B0}"/>
+                <a16:creationId xmlns:a16="http://schemas.microsoft.com/office/drawing/2014/main" id="{4EC68326-A9DA-E4A1-8E83-383E8F6A4FCE}"/>
               </a:ext>
             </a:extLst>
           </p:cNvPr>
@@ -1597,7 +1597,7 @@
           <p:cNvPr id="4" name="内容占位符 3">
             <a:extLst>
               <a:ext uri="{FF2B5EF4-FFF2-40B4-BE49-F238E27FC236}">
-                <a16:creationId xmlns:a16="http://schemas.microsoft.com/office/drawing/2014/main" id="{3B289DE0-5FE8-1616-0B49-96E2A718CC27}"/>
+                <a16:creationId xmlns:a16="http://schemas.microsoft.com/office/drawing/2014/main" id="{41FC7336-08CE-0DE7-29B9-8DBEC1909E55}"/>
               </a:ext>
             </a:extLst>
           </p:cNvPr>
@@ -1659,7 +1659,7 @@
           <p:cNvPr id="5" name="文本占位符 4">
             <a:extLst>
               <a:ext uri="{FF2B5EF4-FFF2-40B4-BE49-F238E27FC236}">
-                <a16:creationId xmlns:a16="http://schemas.microsoft.com/office/drawing/2014/main" id="{06A45D9E-E185-2B6D-9734-E43EF8988B11}"/>
+                <a16:creationId xmlns:a16="http://schemas.microsoft.com/office/drawing/2014/main" id="{0B71926A-D5E7-D0F5-4A8D-D197F8C23D17}"/>
               </a:ext>
             </a:extLst>
           </p:cNvPr>
@@ -1730,7 +1730,7 @@
           <p:cNvPr id="6" name="内容占位符 5">
             <a:extLst>
               <a:ext uri="{FF2B5EF4-FFF2-40B4-BE49-F238E27FC236}">
-                <a16:creationId xmlns:a16="http://schemas.microsoft.com/office/drawing/2014/main" id="{3663CA8C-B828-03A1-CEC3-6F45A58839B6}"/>
+                <a16:creationId xmlns:a16="http://schemas.microsoft.com/office/drawing/2014/main" id="{EC06E071-41B5-6F8C-52AE-5596DF15A1EE}"/>
               </a:ext>
             </a:extLst>
           </p:cNvPr>
@@ -1792,7 +1792,7 @@
           <p:cNvPr id="7" name="日期占位符 6">
             <a:extLst>
               <a:ext uri="{FF2B5EF4-FFF2-40B4-BE49-F238E27FC236}">
-                <a16:creationId xmlns:a16="http://schemas.microsoft.com/office/drawing/2014/main" id="{864F83DB-B859-C911-D168-A6C51B9DB544}"/>
+                <a16:creationId xmlns:a16="http://schemas.microsoft.com/office/drawing/2014/main" id="{E7D9E5AE-5F83-73F6-295B-2AF4974286B8}"/>
               </a:ext>
             </a:extLst>
           </p:cNvPr>
@@ -1808,7 +1808,7 @@
           <a:bodyPr/>
           <a:lstStyle/>
           <a:p>
-            <a:fld id="{08751E5F-FF28-48BD-AD89-1BD7A3D9E3DC}" type="datetimeFigureOut">
+            <a:fld id="{800D70CB-9D8D-4D72-9DBD-932137452584}" type="datetimeFigureOut">
               <a:rPr lang="zh-CN" altLang="en-US" smtClean="0"/>
               <a:t>2024/3/10</a:t>
             </a:fld>
@@ -1821,7 +1821,7 @@
           <p:cNvPr id="8" name="页脚占位符 7">
             <a:extLst>
               <a:ext uri="{FF2B5EF4-FFF2-40B4-BE49-F238E27FC236}">
-                <a16:creationId xmlns:a16="http://schemas.microsoft.com/office/drawing/2014/main" id="{BE8C70F8-354C-EE17-5CC8-81ADDD168216}"/>
+                <a16:creationId xmlns:a16="http://schemas.microsoft.com/office/drawing/2014/main" id="{63B6521F-6A7D-26FF-FE0D-3D449867C83D}"/>
               </a:ext>
             </a:extLst>
           </p:cNvPr>
@@ -1846,7 +1846,7 @@
           <p:cNvPr id="9" name="灯片编号占位符 8">
             <a:extLst>
               <a:ext uri="{FF2B5EF4-FFF2-40B4-BE49-F238E27FC236}">
-                <a16:creationId xmlns:a16="http://schemas.microsoft.com/office/drawing/2014/main" id="{2F1EEC1D-5BF7-37B6-5110-F578E63814D3}"/>
+                <a16:creationId xmlns:a16="http://schemas.microsoft.com/office/drawing/2014/main" id="{D8C5F44F-2144-CCA0-77F0-20B4A2D23659}"/>
               </a:ext>
             </a:extLst>
           </p:cNvPr>
@@ -1862,7 +1862,7 @@
           <a:bodyPr/>
           <a:lstStyle/>
           <a:p>
-            <a:fld id="{ABA33280-A965-4BF4-8750-94FDE6DD2650}" type="slidenum">
+            <a:fld id="{F90DF79C-A340-4E69-94AC-FF716EE1B2A4}" type="slidenum">
               <a:rPr lang="zh-CN" altLang="en-US" smtClean="0"/>
               <a:t>‹#›</a:t>
             </a:fld>
@@ -1873,7 +1873,7 @@
     </p:spTree>
     <p:extLst>
       <p:ext uri="{BB962C8B-B14F-4D97-AF65-F5344CB8AC3E}">
-        <p14:creationId xmlns:p14="http://schemas.microsoft.com/office/powerpoint/2010/main" val="2570119204"/>
+        <p14:creationId xmlns:p14="http://schemas.microsoft.com/office/powerpoint/2010/main" val="2933817194"/>
       </p:ext>
     </p:extLst>
   </p:cSld>
@@ -1905,7 +1905,7 @@
           <p:cNvPr id="2" name="标题 1">
             <a:extLst>
               <a:ext uri="{FF2B5EF4-FFF2-40B4-BE49-F238E27FC236}">
-                <a16:creationId xmlns:a16="http://schemas.microsoft.com/office/drawing/2014/main" id="{67C23DAC-FEDC-BA8B-16ED-A7F268A8E370}"/>
+                <a16:creationId xmlns:a16="http://schemas.microsoft.com/office/drawing/2014/main" id="{B12841FF-85CD-8A6F-6CD8-1E3FB1FE947B}"/>
               </a:ext>
             </a:extLst>
           </p:cNvPr>
@@ -1933,7 +1933,7 @@
           <p:cNvPr id="3" name="日期占位符 2">
             <a:extLst>
               <a:ext uri="{FF2B5EF4-FFF2-40B4-BE49-F238E27FC236}">
-                <a16:creationId xmlns:a16="http://schemas.microsoft.com/office/drawing/2014/main" id="{34DDFBA4-40C4-FEDB-D1BF-A73F2346405D}"/>
+                <a16:creationId xmlns:a16="http://schemas.microsoft.com/office/drawing/2014/main" id="{CCFD6E62-E2CF-3F1B-0721-850099F01D28}"/>
               </a:ext>
             </a:extLst>
           </p:cNvPr>
@@ -1949,7 +1949,7 @@
           <a:bodyPr/>
           <a:lstStyle/>
           <a:p>
-            <a:fld id="{08751E5F-FF28-48BD-AD89-1BD7A3D9E3DC}" type="datetimeFigureOut">
+            <a:fld id="{800D70CB-9D8D-4D72-9DBD-932137452584}" type="datetimeFigureOut">
               <a:rPr lang="zh-CN" altLang="en-US" smtClean="0"/>
               <a:t>2024/3/10</a:t>
             </a:fld>
@@ -1962,7 +1962,7 @@
           <p:cNvPr id="4" name="页脚占位符 3">
             <a:extLst>
               <a:ext uri="{FF2B5EF4-FFF2-40B4-BE49-F238E27FC236}">
-                <a16:creationId xmlns:a16="http://schemas.microsoft.com/office/drawing/2014/main" id="{FED1D775-4556-FC2B-58C0-F1FC99913F53}"/>
+                <a16:creationId xmlns:a16="http://schemas.microsoft.com/office/drawing/2014/main" id="{919145F6-78D0-3667-65C6-40ABF050CAA1}"/>
               </a:ext>
             </a:extLst>
           </p:cNvPr>
@@ -1987,7 +1987,7 @@
           <p:cNvPr id="5" name="灯片编号占位符 4">
             <a:extLst>
               <a:ext uri="{FF2B5EF4-FFF2-40B4-BE49-F238E27FC236}">
-                <a16:creationId xmlns:a16="http://schemas.microsoft.com/office/drawing/2014/main" id="{B15B43C0-57DA-629E-CB75-1DEFC77390C7}"/>
+                <a16:creationId xmlns:a16="http://schemas.microsoft.com/office/drawing/2014/main" id="{03AB7F88-D166-17C8-5415-AA8512B43D77}"/>
               </a:ext>
             </a:extLst>
           </p:cNvPr>
@@ -2003,7 +2003,7 @@
           <a:bodyPr/>
           <a:lstStyle/>
           <a:p>
-            <a:fld id="{ABA33280-A965-4BF4-8750-94FDE6DD2650}" type="slidenum">
+            <a:fld id="{F90DF79C-A340-4E69-94AC-FF716EE1B2A4}" type="slidenum">
               <a:rPr lang="zh-CN" altLang="en-US" smtClean="0"/>
               <a:t>‹#›</a:t>
             </a:fld>
@@ -2014,7 +2014,7 @@
     </p:spTree>
     <p:extLst>
       <p:ext uri="{BB962C8B-B14F-4D97-AF65-F5344CB8AC3E}">
-        <p14:creationId xmlns:p14="http://schemas.microsoft.com/office/powerpoint/2010/main" val="3519892344"/>
+        <p14:creationId xmlns:p14="http://schemas.microsoft.com/office/powerpoint/2010/main" val="3511720227"/>
       </p:ext>
     </p:extLst>
   </p:cSld>
@@ -2046,7 +2046,7 @@
           <p:cNvPr id="2" name="日期占位符 1">
             <a:extLst>
               <a:ext uri="{FF2B5EF4-FFF2-40B4-BE49-F238E27FC236}">
-                <a16:creationId xmlns:a16="http://schemas.microsoft.com/office/drawing/2014/main" id="{DF80458F-6AB4-719C-47B8-76B75200624B}"/>
+                <a16:creationId xmlns:a16="http://schemas.microsoft.com/office/drawing/2014/main" id="{93E9B1C6-A5DA-49E2-EBFC-E095799BA337}"/>
               </a:ext>
             </a:extLst>
           </p:cNvPr>
@@ -2062,7 +2062,7 @@
           <a:bodyPr/>
           <a:lstStyle/>
           <a:p>
-            <a:fld id="{08751E5F-FF28-48BD-AD89-1BD7A3D9E3DC}" type="datetimeFigureOut">
+            <a:fld id="{800D70CB-9D8D-4D72-9DBD-932137452584}" type="datetimeFigureOut">
               <a:rPr lang="zh-CN" altLang="en-US" smtClean="0"/>
               <a:t>2024/3/10</a:t>
             </a:fld>
@@ -2075,7 +2075,7 @@
           <p:cNvPr id="3" name="页脚占位符 2">
             <a:extLst>
               <a:ext uri="{FF2B5EF4-FFF2-40B4-BE49-F238E27FC236}">
-                <a16:creationId xmlns:a16="http://schemas.microsoft.com/office/drawing/2014/main" id="{B3201928-94B1-5030-5F13-C021524037B4}"/>
+                <a16:creationId xmlns:a16="http://schemas.microsoft.com/office/drawing/2014/main" id="{206E1381-98F9-9242-29D9-23FDA93F7B3F}"/>
               </a:ext>
             </a:extLst>
           </p:cNvPr>
@@ -2100,7 +2100,7 @@
           <p:cNvPr id="4" name="灯片编号占位符 3">
             <a:extLst>
               <a:ext uri="{FF2B5EF4-FFF2-40B4-BE49-F238E27FC236}">
-                <a16:creationId xmlns:a16="http://schemas.microsoft.com/office/drawing/2014/main" id="{32B7D7FB-BFB8-0FCE-48BD-CC6CB86EBF90}"/>
+                <a16:creationId xmlns:a16="http://schemas.microsoft.com/office/drawing/2014/main" id="{54BC4EE8-D2DF-8357-7B82-E4DFCDF0F14C}"/>
               </a:ext>
             </a:extLst>
           </p:cNvPr>
@@ -2116,7 +2116,7 @@
           <a:bodyPr/>
           <a:lstStyle/>
           <a:p>
-            <a:fld id="{ABA33280-A965-4BF4-8750-94FDE6DD2650}" type="slidenum">
+            <a:fld id="{F90DF79C-A340-4E69-94AC-FF716EE1B2A4}" type="slidenum">
               <a:rPr lang="zh-CN" altLang="en-US" smtClean="0"/>
               <a:t>‹#›</a:t>
             </a:fld>
@@ -2127,7 +2127,7 @@
     </p:spTree>
     <p:extLst>
       <p:ext uri="{BB962C8B-B14F-4D97-AF65-F5344CB8AC3E}">
-        <p14:creationId xmlns:p14="http://schemas.microsoft.com/office/powerpoint/2010/main" val="1919164642"/>
+        <p14:creationId xmlns:p14="http://schemas.microsoft.com/office/powerpoint/2010/main" val="549861986"/>
       </p:ext>
     </p:extLst>
   </p:cSld>
@@ -2159,7 +2159,7 @@
           <p:cNvPr id="2" name="标题 1">
             <a:extLst>
               <a:ext uri="{FF2B5EF4-FFF2-40B4-BE49-F238E27FC236}">
-                <a16:creationId xmlns:a16="http://schemas.microsoft.com/office/drawing/2014/main" id="{5FB96276-B688-EC98-C013-150E7DEDEB9A}"/>
+                <a16:creationId xmlns:a16="http://schemas.microsoft.com/office/drawing/2014/main" id="{FF96DDE8-F9E0-5F26-1D47-69B7F30F2D2E}"/>
               </a:ext>
             </a:extLst>
           </p:cNvPr>
@@ -2196,7 +2196,7 @@
           <p:cNvPr id="3" name="内容占位符 2">
             <a:extLst>
               <a:ext uri="{FF2B5EF4-FFF2-40B4-BE49-F238E27FC236}">
-                <a16:creationId xmlns:a16="http://schemas.microsoft.com/office/drawing/2014/main" id="{02B68DB8-C3C4-2732-27EB-5A30B8BD52EC}"/>
+                <a16:creationId xmlns:a16="http://schemas.microsoft.com/office/drawing/2014/main" id="{9152D3E7-2220-DA5F-B967-A9BDB0F9141F}"/>
               </a:ext>
             </a:extLst>
           </p:cNvPr>
@@ -2286,7 +2286,7 @@
           <p:cNvPr id="4" name="文本占位符 3">
             <a:extLst>
               <a:ext uri="{FF2B5EF4-FFF2-40B4-BE49-F238E27FC236}">
-                <a16:creationId xmlns:a16="http://schemas.microsoft.com/office/drawing/2014/main" id="{34BB28F4-D435-8DCF-AE4B-3534847ABC7F}"/>
+                <a16:creationId xmlns:a16="http://schemas.microsoft.com/office/drawing/2014/main" id="{24D6406D-DC3B-B307-A4D5-32AE58E92480}"/>
               </a:ext>
             </a:extLst>
           </p:cNvPr>
@@ -2357,7 +2357,7 @@
           <p:cNvPr id="5" name="日期占位符 4">
             <a:extLst>
               <a:ext uri="{FF2B5EF4-FFF2-40B4-BE49-F238E27FC236}">
-                <a16:creationId xmlns:a16="http://schemas.microsoft.com/office/drawing/2014/main" id="{349DEA97-B035-300C-50F5-A6DD3D196B6C}"/>
+                <a16:creationId xmlns:a16="http://schemas.microsoft.com/office/drawing/2014/main" id="{ECBB3C29-9270-F93D-F9E6-53759D28FB42}"/>
               </a:ext>
             </a:extLst>
           </p:cNvPr>
@@ -2373,7 +2373,7 @@
           <a:bodyPr/>
           <a:lstStyle/>
           <a:p>
-            <a:fld id="{08751E5F-FF28-48BD-AD89-1BD7A3D9E3DC}" type="datetimeFigureOut">
+            <a:fld id="{800D70CB-9D8D-4D72-9DBD-932137452584}" type="datetimeFigureOut">
               <a:rPr lang="zh-CN" altLang="en-US" smtClean="0"/>
               <a:t>2024/3/10</a:t>
             </a:fld>
@@ -2386,7 +2386,7 @@
           <p:cNvPr id="6" name="页脚占位符 5">
             <a:extLst>
               <a:ext uri="{FF2B5EF4-FFF2-40B4-BE49-F238E27FC236}">
-                <a16:creationId xmlns:a16="http://schemas.microsoft.com/office/drawing/2014/main" id="{C022E1C1-2C47-6620-1D50-FB209A02A00C}"/>
+                <a16:creationId xmlns:a16="http://schemas.microsoft.com/office/drawing/2014/main" id="{644A2F66-2341-DA11-B78B-BBE11EBD9951}"/>
               </a:ext>
             </a:extLst>
           </p:cNvPr>
@@ -2411,7 +2411,7 @@
           <p:cNvPr id="7" name="灯片编号占位符 6">
             <a:extLst>
               <a:ext uri="{FF2B5EF4-FFF2-40B4-BE49-F238E27FC236}">
-                <a16:creationId xmlns:a16="http://schemas.microsoft.com/office/drawing/2014/main" id="{5EEC08BB-B33E-FA95-615D-1B10132048F4}"/>
+                <a16:creationId xmlns:a16="http://schemas.microsoft.com/office/drawing/2014/main" id="{E3B3EB28-57DE-7C7D-9B7A-8AF48BA7A57A}"/>
               </a:ext>
             </a:extLst>
           </p:cNvPr>
@@ -2427,7 +2427,7 @@
           <a:bodyPr/>
           <a:lstStyle/>
           <a:p>
-            <a:fld id="{ABA33280-A965-4BF4-8750-94FDE6DD2650}" type="slidenum">
+            <a:fld id="{F90DF79C-A340-4E69-94AC-FF716EE1B2A4}" type="slidenum">
               <a:rPr lang="zh-CN" altLang="en-US" smtClean="0"/>
               <a:t>‹#›</a:t>
             </a:fld>
@@ -2438,7 +2438,7 @@
     </p:spTree>
     <p:extLst>
       <p:ext uri="{BB962C8B-B14F-4D97-AF65-F5344CB8AC3E}">
-        <p14:creationId xmlns:p14="http://schemas.microsoft.com/office/powerpoint/2010/main" val="3602771426"/>
+        <p14:creationId xmlns:p14="http://schemas.microsoft.com/office/powerpoint/2010/main" val="1462009679"/>
       </p:ext>
     </p:extLst>
   </p:cSld>
@@ -2470,7 +2470,7 @@
           <p:cNvPr id="2" name="标题 1">
             <a:extLst>
               <a:ext uri="{FF2B5EF4-FFF2-40B4-BE49-F238E27FC236}">
-                <a16:creationId xmlns:a16="http://schemas.microsoft.com/office/drawing/2014/main" id="{FF628780-981B-1A94-3A22-737062A069C1}"/>
+                <a16:creationId xmlns:a16="http://schemas.microsoft.com/office/drawing/2014/main" id="{10DB0A14-11D8-B02B-8182-36445AC728D2}"/>
               </a:ext>
             </a:extLst>
           </p:cNvPr>
@@ -2507,7 +2507,7 @@
           <p:cNvPr id="3" name="图片占位符 2">
             <a:extLst>
               <a:ext uri="{FF2B5EF4-FFF2-40B4-BE49-F238E27FC236}">
-                <a16:creationId xmlns:a16="http://schemas.microsoft.com/office/drawing/2014/main" id="{96080317-4EE1-B2DB-48B9-46CA302CD24C}"/>
+                <a16:creationId xmlns:a16="http://schemas.microsoft.com/office/drawing/2014/main" id="{9315C8E9-2CB7-149E-E800-B38D01368006}"/>
               </a:ext>
             </a:extLst>
           </p:cNvPr>
@@ -2574,7 +2574,7 @@
           <p:cNvPr id="4" name="文本占位符 3">
             <a:extLst>
               <a:ext uri="{FF2B5EF4-FFF2-40B4-BE49-F238E27FC236}">
-                <a16:creationId xmlns:a16="http://schemas.microsoft.com/office/drawing/2014/main" id="{9088D786-E65B-2C55-66CE-913EB3EDACF2}"/>
+                <a16:creationId xmlns:a16="http://schemas.microsoft.com/office/drawing/2014/main" id="{85FC1CC6-BE3C-FB17-81BB-0383AB177BE5}"/>
               </a:ext>
             </a:extLst>
           </p:cNvPr>
@@ -2645,7 +2645,7 @@
           <p:cNvPr id="5" name="日期占位符 4">
             <a:extLst>
               <a:ext uri="{FF2B5EF4-FFF2-40B4-BE49-F238E27FC236}">
-                <a16:creationId xmlns:a16="http://schemas.microsoft.com/office/drawing/2014/main" id="{F3D558CA-81F4-46A8-3F15-F4A58FA86679}"/>
+                <a16:creationId xmlns:a16="http://schemas.microsoft.com/office/drawing/2014/main" id="{6E221DA6-DED2-0F3C-3E6A-909E8D786315}"/>
               </a:ext>
             </a:extLst>
           </p:cNvPr>
@@ -2661,7 +2661,7 @@
           <a:bodyPr/>
           <a:lstStyle/>
           <a:p>
-            <a:fld id="{08751E5F-FF28-48BD-AD89-1BD7A3D9E3DC}" type="datetimeFigureOut">
+            <a:fld id="{800D70CB-9D8D-4D72-9DBD-932137452584}" type="datetimeFigureOut">
               <a:rPr lang="zh-CN" altLang="en-US" smtClean="0"/>
               <a:t>2024/3/10</a:t>
             </a:fld>
@@ -2674,7 +2674,7 @@
           <p:cNvPr id="6" name="页脚占位符 5">
             <a:extLst>
               <a:ext uri="{FF2B5EF4-FFF2-40B4-BE49-F238E27FC236}">
-                <a16:creationId xmlns:a16="http://schemas.microsoft.com/office/drawing/2014/main" id="{8190204D-3413-3C97-6013-53D3F614A33A}"/>
+                <a16:creationId xmlns:a16="http://schemas.microsoft.com/office/drawing/2014/main" id="{8A9728C5-8042-45BD-A48B-504B9CA88281}"/>
               </a:ext>
             </a:extLst>
           </p:cNvPr>
@@ -2699,7 +2699,7 @@
           <p:cNvPr id="7" name="灯片编号占位符 6">
             <a:extLst>
               <a:ext uri="{FF2B5EF4-FFF2-40B4-BE49-F238E27FC236}">
-                <a16:creationId xmlns:a16="http://schemas.microsoft.com/office/drawing/2014/main" id="{CAD63151-3A78-DEE3-83A9-3481F4D64D46}"/>
+                <a16:creationId xmlns:a16="http://schemas.microsoft.com/office/drawing/2014/main" id="{24299D12-61C0-642E-325B-E691B611F201}"/>
               </a:ext>
             </a:extLst>
           </p:cNvPr>
@@ -2715,7 +2715,7 @@
           <a:bodyPr/>
           <a:lstStyle/>
           <a:p>
-            <a:fld id="{ABA33280-A965-4BF4-8750-94FDE6DD2650}" type="slidenum">
+            <a:fld id="{F90DF79C-A340-4E69-94AC-FF716EE1B2A4}" type="slidenum">
               <a:rPr lang="zh-CN" altLang="en-US" smtClean="0"/>
               <a:t>‹#›</a:t>
             </a:fld>
@@ -2726,7 +2726,7 @@
     </p:spTree>
     <p:extLst>
       <p:ext uri="{BB962C8B-B14F-4D97-AF65-F5344CB8AC3E}">
-        <p14:creationId xmlns:p14="http://schemas.microsoft.com/office/powerpoint/2010/main" val="3524259794"/>
+        <p14:creationId xmlns:p14="http://schemas.microsoft.com/office/powerpoint/2010/main" val="3982556376"/>
       </p:ext>
     </p:extLst>
   </p:cSld>
@@ -2763,7 +2763,7 @@
           <p:cNvPr id="2" name="标题占位符 1">
             <a:extLst>
               <a:ext uri="{FF2B5EF4-FFF2-40B4-BE49-F238E27FC236}">
-                <a16:creationId xmlns:a16="http://schemas.microsoft.com/office/drawing/2014/main" id="{C673AA62-5B77-E094-C555-8A330206364D}"/>
+                <a16:creationId xmlns:a16="http://schemas.microsoft.com/office/drawing/2014/main" id="{CA668107-3170-D3ED-E234-C84AECD4B6CC}"/>
               </a:ext>
             </a:extLst>
           </p:cNvPr>
@@ -2801,7 +2801,7 @@
           <p:cNvPr id="3" name="文本占位符 2">
             <a:extLst>
               <a:ext uri="{FF2B5EF4-FFF2-40B4-BE49-F238E27FC236}">
-                <a16:creationId xmlns:a16="http://schemas.microsoft.com/office/drawing/2014/main" id="{C99ED2C7-3D8D-652A-F1FE-ECA42D70315D}"/>
+                <a16:creationId xmlns:a16="http://schemas.microsoft.com/office/drawing/2014/main" id="{05DBEA7E-30E4-0E61-8771-54A05A9AE380}"/>
               </a:ext>
             </a:extLst>
           </p:cNvPr>
@@ -2868,7 +2868,7 @@
           <p:cNvPr id="4" name="日期占位符 3">
             <a:extLst>
               <a:ext uri="{FF2B5EF4-FFF2-40B4-BE49-F238E27FC236}">
-                <a16:creationId xmlns:a16="http://schemas.microsoft.com/office/drawing/2014/main" id="{5FB0FB07-2FDA-A70D-5056-6ADD200F5F68}"/>
+                <a16:creationId xmlns:a16="http://schemas.microsoft.com/office/drawing/2014/main" id="{0A46A2E5-83C9-A764-765E-DC538F83EAE9}"/>
               </a:ext>
             </a:extLst>
           </p:cNvPr>
@@ -2902,7 +2902,7 @@
             </a:lvl1pPr>
           </a:lstStyle>
           <a:p>
-            <a:fld id="{08751E5F-FF28-48BD-AD89-1BD7A3D9E3DC}" type="datetimeFigureOut">
+            <a:fld id="{800D70CB-9D8D-4D72-9DBD-932137452584}" type="datetimeFigureOut">
               <a:rPr lang="zh-CN" altLang="en-US" smtClean="0"/>
               <a:t>2024/3/10</a:t>
             </a:fld>
@@ -2915,7 +2915,7 @@
           <p:cNvPr id="5" name="页脚占位符 4">
             <a:extLst>
               <a:ext uri="{FF2B5EF4-FFF2-40B4-BE49-F238E27FC236}">
-                <a16:creationId xmlns:a16="http://schemas.microsoft.com/office/drawing/2014/main" id="{94D930FF-77D2-C5BE-30EA-B5EB419069D8}"/>
+                <a16:creationId xmlns:a16="http://schemas.microsoft.com/office/drawing/2014/main" id="{922D9598-33C9-F6CB-C3BE-52D0175A2B99}"/>
               </a:ext>
             </a:extLst>
           </p:cNvPr>
@@ -2958,7 +2958,7 @@
           <p:cNvPr id="6" name="灯片编号占位符 5">
             <a:extLst>
               <a:ext uri="{FF2B5EF4-FFF2-40B4-BE49-F238E27FC236}">
-                <a16:creationId xmlns:a16="http://schemas.microsoft.com/office/drawing/2014/main" id="{29E56068-D39B-A898-D016-CC99B9E43399}"/>
+                <a16:creationId xmlns:a16="http://schemas.microsoft.com/office/drawing/2014/main" id="{F36B4569-FFCC-5A01-BA9F-901550ACF98A}"/>
               </a:ext>
             </a:extLst>
           </p:cNvPr>
@@ -2992,7 +2992,7 @@
             </a:lvl1pPr>
           </a:lstStyle>
           <a:p>
-            <a:fld id="{ABA33280-A965-4BF4-8750-94FDE6DD2650}" type="slidenum">
+            <a:fld id="{F90DF79C-A340-4E69-94AC-FF716EE1B2A4}" type="slidenum">
               <a:rPr lang="zh-CN" altLang="en-US" smtClean="0"/>
               <a:t>‹#›</a:t>
             </a:fld>
@@ -3003,7 +3003,7 @@
     </p:spTree>
     <p:extLst>
       <p:ext uri="{BB962C8B-B14F-4D97-AF65-F5344CB8AC3E}">
-        <p14:creationId xmlns:p14="http://schemas.microsoft.com/office/powerpoint/2010/main" val="1137821389"/>
+        <p14:creationId xmlns:p14="http://schemas.microsoft.com/office/powerpoint/2010/main" val="2047960213"/>
       </p:ext>
     </p:extLst>
   </p:cSld>
